--- a/1. Capa de red/Redes/Semana 1.pptx
+++ b/1. Capa de red/Redes/Semana 1.pptx
@@ -360,7 +360,7 @@
           <a:p>
             <a:fld id="{AAE5428F-4F43-4132-90EE-793D4105280B}" type="datetimeFigureOut">
               <a:rPr lang="es-CO" smtClean="0"/>
-              <a:t>3/08/23</a:t>
+              <a:t>2/08/24</a:t>
             </a:fld>
             <a:endParaRPr lang="es-CO"/>
           </a:p>
@@ -568,7 +568,7 @@
           <a:p>
             <a:fld id="{AAE5428F-4F43-4132-90EE-793D4105280B}" type="datetimeFigureOut">
               <a:rPr lang="es-CO" smtClean="0"/>
-              <a:t>3/08/23</a:t>
+              <a:t>2/08/24</a:t>
             </a:fld>
             <a:endParaRPr lang="es-CO"/>
           </a:p>
@@ -824,7 +824,7 @@
           <a:p>
             <a:fld id="{AAE5428F-4F43-4132-90EE-793D4105280B}" type="datetimeFigureOut">
               <a:rPr lang="es-CO" smtClean="0"/>
-              <a:t>3/08/23</a:t>
+              <a:t>2/08/24</a:t>
             </a:fld>
             <a:endParaRPr lang="es-CO"/>
           </a:p>
@@ -994,7 +994,7 @@
           <a:p>
             <a:fld id="{AAE5428F-4F43-4132-90EE-793D4105280B}" type="datetimeFigureOut">
               <a:rPr lang="es-CO" smtClean="0"/>
-              <a:t>3/08/23</a:t>
+              <a:t>2/08/24</a:t>
             </a:fld>
             <a:endParaRPr lang="es-CO"/>
           </a:p>
@@ -1337,7 +1337,7 @@
           <a:p>
             <a:fld id="{AAE5428F-4F43-4132-90EE-793D4105280B}" type="datetimeFigureOut">
               <a:rPr lang="es-CO" smtClean="0"/>
-              <a:t>3/08/23</a:t>
+              <a:t>2/08/24</a:t>
             </a:fld>
             <a:endParaRPr lang="es-CO"/>
           </a:p>
@@ -1612,7 +1612,7 @@
           <a:p>
             <a:fld id="{AAE5428F-4F43-4132-90EE-793D4105280B}" type="datetimeFigureOut">
               <a:rPr lang="es-CO" smtClean="0"/>
-              <a:t>3/08/23</a:t>
+              <a:t>2/08/24</a:t>
             </a:fld>
             <a:endParaRPr lang="es-CO"/>
           </a:p>
@@ -1991,7 +1991,7 @@
           <a:p>
             <a:fld id="{AAE5428F-4F43-4132-90EE-793D4105280B}" type="datetimeFigureOut">
               <a:rPr lang="es-CO" smtClean="0"/>
-              <a:t>3/08/23</a:t>
+              <a:t>2/08/24</a:t>
             </a:fld>
             <a:endParaRPr lang="es-CO"/>
           </a:p>
@@ -2109,7 +2109,7 @@
           <a:p>
             <a:fld id="{AAE5428F-4F43-4132-90EE-793D4105280B}" type="datetimeFigureOut">
               <a:rPr lang="es-CO" smtClean="0"/>
-              <a:t>3/08/23</a:t>
+              <a:t>2/08/24</a:t>
             </a:fld>
             <a:endParaRPr lang="es-CO"/>
           </a:p>
@@ -2280,7 +2280,7 @@
           <a:p>
             <a:fld id="{AAE5428F-4F43-4132-90EE-793D4105280B}" type="datetimeFigureOut">
               <a:rPr lang="es-CO" smtClean="0"/>
-              <a:t>3/08/23</a:t>
+              <a:t>2/08/24</a:t>
             </a:fld>
             <a:endParaRPr lang="es-CO"/>
           </a:p>
@@ -2634,7 +2634,7 @@
           <a:p>
             <a:fld id="{AAE5428F-4F43-4132-90EE-793D4105280B}" type="datetimeFigureOut">
               <a:rPr lang="es-CO" smtClean="0"/>
-              <a:t>3/08/23</a:t>
+              <a:t>2/08/24</a:t>
             </a:fld>
             <a:endParaRPr lang="es-CO"/>
           </a:p>
@@ -3011,7 +3011,7 @@
           <a:p>
             <a:fld id="{AAE5428F-4F43-4132-90EE-793D4105280B}" type="datetimeFigureOut">
               <a:rPr lang="es-CO" smtClean="0"/>
-              <a:t>3/08/23</a:t>
+              <a:t>2/08/24</a:t>
             </a:fld>
             <a:endParaRPr lang="es-CO"/>
           </a:p>
@@ -3298,7 +3298,7 @@
           <a:p>
             <a:fld id="{AAE5428F-4F43-4132-90EE-793D4105280B}" type="datetimeFigureOut">
               <a:rPr lang="es-CO" smtClean="0"/>
-              <a:t>3/08/23</a:t>
+              <a:t>2/08/24</a:t>
             </a:fld>
             <a:endParaRPr lang="es-CO"/>
           </a:p>
@@ -4163,73 +4163,65 @@
               <a:buNone/>
             </a:pPr>
             <a:r>
-              <a:rPr lang="es-CO" sz="2400" dirty="0" err="1">
+              <a:rPr lang="es-CO" dirty="0" err="1">
                 <a:latin typeface="Consolas" panose="020B0609020204030204" pitchFamily="49" charset="0"/>
               </a:rPr>
               <a:t>InetAddress</a:t>
             </a:r>
             <a:r>
-              <a:rPr lang="es-CO" sz="2400" dirty="0">
+              <a:rPr lang="es-CO" dirty="0">
                 <a:latin typeface="Consolas" panose="020B0609020204030204" pitchFamily="49" charset="0"/>
               </a:rPr>
               <a:t> </a:t>
             </a:r>
             <a:r>
-              <a:rPr lang="es-CO" sz="2400" dirty="0" err="1">
+              <a:rPr lang="es-CO" dirty="0" err="1">
                 <a:latin typeface="Consolas" panose="020B0609020204030204" pitchFamily="49" charset="0"/>
               </a:rPr>
               <a:t>address</a:t>
             </a:r>
             <a:r>
-              <a:rPr lang="es-CO" sz="2400" dirty="0">
+              <a:rPr lang="es-CO" dirty="0">
                 <a:latin typeface="Consolas" panose="020B0609020204030204" pitchFamily="49" charset="0"/>
               </a:rPr>
               <a:t> = </a:t>
             </a:r>
             <a:r>
-              <a:rPr lang="es-CO" sz="2400" dirty="0" err="1">
+              <a:rPr lang="es-CO" dirty="0" err="1">
                 <a:latin typeface="Consolas" panose="020B0609020204030204" pitchFamily="49" charset="0"/>
               </a:rPr>
               <a:t>InetAddress.</a:t>
             </a:r>
             <a:r>
-              <a:rPr lang="es-CO" sz="2400" i="1" dirty="0" err="1">
+              <a:rPr lang="es-CO" i="1" dirty="0" err="1">
                 <a:latin typeface="Consolas" panose="020B0609020204030204" pitchFamily="49" charset="0"/>
               </a:rPr>
               <a:t>getByName</a:t>
             </a:r>
-            <a:endParaRPr lang="es-CO" sz="2400" i="1" dirty="0">
-              <a:latin typeface="Consolas" panose="020B0609020204030204" pitchFamily="49" charset="0"/>
-            </a:endParaRPr>
+            <a:r>
+              <a:rPr lang="es-CO" i="1" dirty="0">
+                <a:latin typeface="Consolas" panose="020B0609020204030204" pitchFamily="49" charset="0"/>
+              </a:rPr>
+              <a:t>("www.google.com");</a:t>
+            </a:r>
           </a:p>
           <a:p>
             <a:pPr marL="0" indent="0">
               <a:buNone/>
             </a:pPr>
             <a:r>
-              <a:rPr lang="es-CO" sz="2400" i="1" dirty="0">
-                <a:latin typeface="Consolas" panose="020B0609020204030204" pitchFamily="49" charset="0"/>
-              </a:rPr>
-              <a:t>("www.google.com");</a:t>
-            </a:r>
-          </a:p>
-          <a:p>
-            <a:pPr marL="0" indent="0">
-              <a:buNone/>
-            </a:pPr>
-            <a:r>
-              <a:rPr lang="es-ES" sz="2400" i="1" dirty="0" err="1">
+              <a:rPr lang="es-ES" i="1" dirty="0" err="1">
                 <a:latin typeface="Consolas" panose="020B0609020204030204" pitchFamily="49" charset="0"/>
               </a:rPr>
               <a:t>address.getHostName</a:t>
             </a:r>
             <a:r>
-              <a:rPr lang="es-ES" sz="2400" i="1" dirty="0">
+              <a:rPr lang="es-ES" i="1" dirty="0">
                 <a:latin typeface="Consolas" panose="020B0609020204030204" pitchFamily="49" charset="0"/>
               </a:rPr>
               <a:t>();</a:t>
             </a:r>
-            <a:endParaRPr lang="es-ES" dirty="0"/>
+            <a:endParaRPr lang="es-ES" sz="1800" dirty="0"/>
           </a:p>
         </p:txBody>
       </p:sp>
@@ -4538,7 +4530,7 @@
         <p:spPr>
           <a:xfrm>
             <a:off x="7423355" y="5222762"/>
-            <a:ext cx="3834581" cy="646331"/>
+            <a:ext cx="3834581" cy="923330"/>
           </a:xfrm>
           <a:prstGeom prst="rect">
             <a:avLst/>
@@ -4553,7 +4545,7 @@
           <a:p>
             <a:r>
               <a:rPr lang="es-ES" dirty="0"/>
-              <a:t>Tiene 8 interfaces. Cada una con la posibilidad de tener una dirección IPv4</a:t>
+              <a:t>Tiene 8 interfaces. Cada una con la posibilidad de tener una dirección IPv4/IPv6</a:t>
             </a:r>
             <a:endParaRPr lang="es-CO" dirty="0"/>
           </a:p>
@@ -4636,7 +4628,7 @@
         <p:spPr>
           <a:xfrm flipH="1" flipV="1">
             <a:off x="6126480" y="4501326"/>
-            <a:ext cx="1296875" cy="1044602"/>
+            <a:ext cx="1296875" cy="1183101"/>
           </a:xfrm>
           <a:prstGeom prst="straightConnector1">
             <a:avLst/>
@@ -4803,7 +4795,7 @@
         <p:spPr>
           <a:xfrm flipH="1" flipV="1">
             <a:off x="7116234" y="4258734"/>
-            <a:ext cx="307121" cy="1287194"/>
+            <a:ext cx="307121" cy="1425693"/>
           </a:xfrm>
           <a:prstGeom prst="straightConnector1">
             <a:avLst/>
